--- a/Description of WCF UserName Security.pptx
+++ b/Description of WCF UserName Security.pptx
@@ -312,7 +312,7 @@
           <a:p>
             <a:fld id="{004A8D02-4E65-4CCD-8312-4AB164C6C77D}" type="datetimeFigureOut">
               <a:rPr lang="zh-CN" altLang="en-US"/>
-              <a:t>2016/7/6</a:t>
+              <a:t>2016/7/8</a:t>
             </a:fld>
             <a:endParaRPr/>
           </a:p>
@@ -477,7 +477,7 @@
           <a:p>
             <a:fld id="{67A755D9-D361-47B8-9652-3B4EA9776CE5}" type="datetimeFigureOut">
               <a:rPr lang="zh-CN" altLang="en-US"/>
-              <a:t>2016/7/6</a:t>
+              <a:t>2016/7/8</a:t>
             </a:fld>
             <a:endParaRPr/>
           </a:p>
@@ -1321,7 +1321,7 @@
           <a:p>
             <a:fld id="{83829175-527E-46A3-863C-1BB1F163B849}" type="datetimeFigureOut">
               <a:rPr lang="zh-CN" altLang="en-US"/>
-              <a:t>2016/7/6</a:t>
+              <a:t>2016/7/8</a:t>
             </a:fld>
             <a:endParaRPr/>
           </a:p>
@@ -1526,7 +1526,7 @@
           <a:p>
             <a:fld id="{83829175-527E-46A3-863C-1BB1F163B849}" type="datetimeFigureOut">
               <a:rPr lang="zh-CN" altLang="en-US"/>
-              <a:t>2016/7/6</a:t>
+              <a:t>2016/7/8</a:t>
             </a:fld>
             <a:endParaRPr/>
           </a:p>
@@ -1741,7 +1741,7 @@
           <a:p>
             <a:fld id="{83829175-527E-46A3-863C-1BB1F163B849}" type="datetimeFigureOut">
               <a:rPr lang="zh-CN" altLang="en-US"/>
-              <a:t>2016/7/6</a:t>
+              <a:t>2016/7/8</a:t>
             </a:fld>
             <a:endParaRPr/>
           </a:p>
@@ -1956,7 +1956,7 @@
           <a:p>
             <a:fld id="{83829175-527E-46A3-863C-1BB1F163B849}" type="datetimeFigureOut">
               <a:rPr lang="zh-CN" altLang="en-US"/>
-              <a:t>2016/7/6</a:t>
+              <a:t>2016/7/8</a:t>
             </a:fld>
             <a:endParaRPr/>
           </a:p>
@@ -2240,7 +2240,7 @@
           <a:p>
             <a:fld id="{83829175-527E-46A3-863C-1BB1F163B849}" type="datetimeFigureOut">
               <a:rPr lang="zh-CN" altLang="en-US"/>
-              <a:t>2016/7/6</a:t>
+              <a:t>2016/7/8</a:t>
             </a:fld>
             <a:endParaRPr/>
           </a:p>
@@ -2556,7 +2556,7 @@
           <a:p>
             <a:fld id="{83829175-527E-46A3-863C-1BB1F163B849}" type="datetimeFigureOut">
               <a:rPr lang="zh-CN" altLang="en-US"/>
-              <a:t>2016/7/6</a:t>
+              <a:t>2016/7/8</a:t>
             </a:fld>
             <a:endParaRPr/>
           </a:p>
@@ -3012,7 +3012,7 @@
           <a:p>
             <a:fld id="{83829175-527E-46A3-863C-1BB1F163B849}" type="datetimeFigureOut">
               <a:rPr lang="zh-CN" altLang="en-US"/>
-              <a:t>2016/7/6</a:t>
+              <a:t>2016/7/8</a:t>
             </a:fld>
             <a:endParaRPr/>
           </a:p>
@@ -3149,7 +3149,7 @@
           <a:p>
             <a:fld id="{83829175-527E-46A3-863C-1BB1F163B849}" type="datetimeFigureOut">
               <a:rPr lang="zh-CN" altLang="en-US"/>
-              <a:t>2016/7/6</a:t>
+              <a:t>2016/7/8</a:t>
             </a:fld>
             <a:endParaRPr/>
           </a:p>
@@ -3277,7 +3277,7 @@
           <a:p>
             <a:fld id="{83829175-527E-46A3-863C-1BB1F163B849}" type="datetimeFigureOut">
               <a:rPr lang="zh-CN" altLang="en-US"/>
-              <a:t>2016/7/6</a:t>
+              <a:t>2016/7/8</a:t>
             </a:fld>
             <a:endParaRPr/>
           </a:p>
@@ -3597,7 +3597,7 @@
             <a:fld id="{83829175-527E-46A3-863C-1BB1F163B849}" type="datetimeFigureOut">
               <a:rPr lang="zh-CN" altLang="en-US"/>
               <a:pPr/>
-              <a:t>2016/7/6</a:t>
+              <a:t>2016/7/8</a:t>
             </a:fld>
             <a:endParaRPr/>
           </a:p>
@@ -4136,7 +4136,7 @@
             <a:fld id="{83829175-527E-46A3-863C-1BB1F163B849}" type="datetimeFigureOut">
               <a:rPr lang="zh-CN" altLang="en-US"/>
               <a:pPr/>
-              <a:t>2016/7/6</a:t>
+              <a:t>2016/7/8</a:t>
             </a:fld>
             <a:endParaRPr/>
           </a:p>
@@ -4641,7 +4641,7 @@
                   </a:schemeClr>
                 </a:solidFill>
               </a:rPr>
-              <a:t>Tao Zhou</a:t>
+              <a:t>Edward</a:t>
             </a:r>
             <a:endParaRPr lang="en-US" dirty="0">
               <a:solidFill>
@@ -6274,7 +6274,6 @@
               <a:rPr lang="en-US" altLang="zh-CN" dirty="0"/>
               <a:t>Detailed steps to implement message security with custom username</a:t>
             </a:r>
-            <a:endParaRPr lang="en-US" altLang="zh-CN" dirty="0"/>
           </a:p>
         </p:txBody>
       </p:sp>
@@ -7912,11 +7911,7 @@
           <a:p>
             <a:r>
               <a:rPr lang="en-US" altLang="zh-CN" dirty="0" smtClean="0"/>
-              <a:t>A</a:t>
-            </a:r>
-            <a:r>
-              <a:rPr lang="en-US" altLang="zh-CN" dirty="0" smtClean="0"/>
-              <a:t>:</a:t>
+              <a:t>A:</a:t>
             </a:r>
           </a:p>
           <a:p>
@@ -7928,7 +7923,6 @@
               <a:rPr lang="en-US" altLang="zh-CN" dirty="0" smtClean="0"/>
               <a:t>Do not need windows/Domain credentials</a:t>
             </a:r>
-            <a:endParaRPr lang="en-US" altLang="zh-CN" dirty="0" smtClean="0"/>
           </a:p>
           <a:p>
             <a:pPr marL="285750" indent="-285750">
@@ -7966,7 +7960,6 @@
               <a:rPr lang="en-US" altLang="zh-CN" dirty="0" smtClean="0"/>
               <a:t>Point-To-Point</a:t>
             </a:r>
-            <a:endParaRPr lang="en-US" altLang="zh-CN" dirty="0" smtClean="0"/>
           </a:p>
         </p:txBody>
       </p:sp>
